--- a/Reference materials/Advanced JAVA/2 Synchronization.pptx
+++ b/Reference materials/Advanced JAVA/2 Synchronization.pptx
@@ -218,7 +218,7 @@
           <a:p>
             <a:fld id="{CBDFB359-B0C7-4C2A-B5E6-DC0AAC7DC740}" type="datetimeFigureOut">
               <a:rPr lang="en-IN" smtClean="0"/>
-              <a:t>31-03-2021</a:t>
+              <a:t>22-04-2021</a:t>
             </a:fld>
             <a:endParaRPr lang="en-IN"/>
           </a:p>
@@ -282,35 +282,35 @@
           <a:p>
             <a:pPr lvl="0"/>
             <a:r>
-              <a:rPr lang="en-US" smtClean="0"/>
+              <a:rPr lang="en-US"/>
               <a:t>Click to edit Master text styles</a:t>
             </a:r>
           </a:p>
           <a:p>
             <a:pPr lvl="1"/>
             <a:r>
-              <a:rPr lang="en-US" smtClean="0"/>
+              <a:rPr lang="en-US"/>
               <a:t>Second level</a:t>
             </a:r>
           </a:p>
           <a:p>
             <a:pPr lvl="2"/>
             <a:r>
-              <a:rPr lang="en-US" smtClean="0"/>
+              <a:rPr lang="en-US"/>
               <a:t>Third level</a:t>
             </a:r>
           </a:p>
           <a:p>
             <a:pPr lvl="3"/>
             <a:r>
-              <a:rPr lang="en-US" smtClean="0"/>
+              <a:rPr lang="en-US"/>
               <a:t>Fourth level</a:t>
             </a:r>
           </a:p>
           <a:p>
             <a:pPr lvl="4"/>
             <a:r>
-              <a:rPr lang="en-US" smtClean="0"/>
+              <a:rPr lang="en-US"/>
               <a:t>Fifth level</a:t>
             </a:r>
             <a:endParaRPr lang="en-IN"/>
@@ -656,10 +656,9 @@
           </a:lstStyle>
           <a:p>
             <a:r>
-              <a:rPr kumimoji="0" lang="en-US" smtClean="0"/>
+              <a:rPr kumimoji="0" lang="en-US"/>
               <a:t>Click to edit Master subtitle style</a:t>
             </a:r>
-            <a:endParaRPr kumimoji="0" lang="en-US"/>
           </a:p>
         </p:txBody>
       </p:sp>
@@ -681,7 +680,7 @@
             <a:fld id="{1D8BD707-D9CF-40AE-B4C6-C98DA3205C09}" type="datetimeFigureOut">
               <a:rPr lang="en-US" smtClean="0"/>
               <a:pPr/>
-              <a:t>3/31/2021</a:t>
+              <a:t>4/22/2021</a:t>
             </a:fld>
             <a:endParaRPr lang="en-US"/>
           </a:p>
@@ -911,10 +910,9 @@
           </a:lstStyle>
           <a:p>
             <a:r>
-              <a:rPr kumimoji="0" lang="en-US" smtClean="0"/>
+              <a:rPr kumimoji="0" lang="en-US"/>
               <a:t>Click to edit Master title style</a:t>
             </a:r>
-            <a:endParaRPr kumimoji="0" lang="en-US"/>
           </a:p>
         </p:txBody>
       </p:sp>
@@ -959,10 +957,9 @@
           <a:lstStyle/>
           <a:p>
             <a:r>
-              <a:rPr kumimoji="0" lang="en-US" smtClean="0"/>
+              <a:rPr kumimoji="0" lang="en-US"/>
               <a:t>Click to edit Master title style</a:t>
             </a:r>
-            <a:endParaRPr kumimoji="0" lang="en-US"/>
           </a:p>
         </p:txBody>
       </p:sp>
@@ -983,35 +980,35 @@
           <a:p>
             <a:pPr lvl="0" eaLnBrk="1" latinLnBrk="0" hangingPunct="1"/>
             <a:r>
-              <a:rPr lang="en-US" smtClean="0"/>
+              <a:rPr lang="en-US"/>
               <a:t>Click to edit Master text styles</a:t>
             </a:r>
           </a:p>
           <a:p>
             <a:pPr lvl="1" eaLnBrk="1" latinLnBrk="0" hangingPunct="1"/>
             <a:r>
-              <a:rPr lang="en-US" smtClean="0"/>
+              <a:rPr lang="en-US"/>
               <a:t>Second level</a:t>
             </a:r>
           </a:p>
           <a:p>
             <a:pPr lvl="2" eaLnBrk="1" latinLnBrk="0" hangingPunct="1"/>
             <a:r>
-              <a:rPr lang="en-US" smtClean="0"/>
+              <a:rPr lang="en-US"/>
               <a:t>Third level</a:t>
             </a:r>
           </a:p>
           <a:p>
             <a:pPr lvl="3" eaLnBrk="1" latinLnBrk="0" hangingPunct="1"/>
             <a:r>
-              <a:rPr lang="en-US" smtClean="0"/>
+              <a:rPr lang="en-US"/>
               <a:t>Fourth level</a:t>
             </a:r>
           </a:p>
           <a:p>
             <a:pPr lvl="4" eaLnBrk="1" latinLnBrk="0" hangingPunct="1"/>
             <a:r>
-              <a:rPr lang="en-US" smtClean="0"/>
+              <a:rPr lang="en-US"/>
               <a:t>Fifth level</a:t>
             </a:r>
             <a:endParaRPr kumimoji="0" lang="en-US"/>
@@ -1036,7 +1033,7 @@
             <a:fld id="{1D8BD707-D9CF-40AE-B4C6-C98DA3205C09}" type="datetimeFigureOut">
               <a:rPr lang="en-US" smtClean="0"/>
               <a:pPr/>
-              <a:t>3/31/2021</a:t>
+              <a:t>4/22/2021</a:t>
             </a:fld>
             <a:endParaRPr lang="en-US"/>
           </a:p>
@@ -1131,10 +1128,9 @@
           <a:lstStyle/>
           <a:p>
             <a:r>
-              <a:rPr kumimoji="0" lang="en-US" smtClean="0"/>
+              <a:rPr kumimoji="0" lang="en-US"/>
               <a:t>Click to edit Master title style</a:t>
             </a:r>
-            <a:endParaRPr kumimoji="0" lang="en-US"/>
           </a:p>
         </p:txBody>
       </p:sp>
@@ -1160,35 +1156,35 @@
           <a:p>
             <a:pPr lvl="0" eaLnBrk="1" latinLnBrk="0" hangingPunct="1"/>
             <a:r>
-              <a:rPr lang="en-US" smtClean="0"/>
+              <a:rPr lang="en-US"/>
               <a:t>Click to edit Master text styles</a:t>
             </a:r>
           </a:p>
           <a:p>
             <a:pPr lvl="1" eaLnBrk="1" latinLnBrk="0" hangingPunct="1"/>
             <a:r>
-              <a:rPr lang="en-US" smtClean="0"/>
+              <a:rPr lang="en-US"/>
               <a:t>Second level</a:t>
             </a:r>
           </a:p>
           <a:p>
             <a:pPr lvl="2" eaLnBrk="1" latinLnBrk="0" hangingPunct="1"/>
             <a:r>
-              <a:rPr lang="en-US" smtClean="0"/>
+              <a:rPr lang="en-US"/>
               <a:t>Third level</a:t>
             </a:r>
           </a:p>
           <a:p>
             <a:pPr lvl="3" eaLnBrk="1" latinLnBrk="0" hangingPunct="1"/>
             <a:r>
-              <a:rPr lang="en-US" smtClean="0"/>
+              <a:rPr lang="en-US"/>
               <a:t>Fourth level</a:t>
             </a:r>
           </a:p>
           <a:p>
             <a:pPr lvl="4" eaLnBrk="1" latinLnBrk="0" hangingPunct="1"/>
             <a:r>
-              <a:rPr lang="en-US" smtClean="0"/>
+              <a:rPr lang="en-US"/>
               <a:t>Fifth level</a:t>
             </a:r>
             <a:endParaRPr kumimoji="0" lang="en-US"/>
@@ -1213,7 +1209,7 @@
             <a:fld id="{1D8BD707-D9CF-40AE-B4C6-C98DA3205C09}" type="datetimeFigureOut">
               <a:rPr lang="en-US" smtClean="0"/>
               <a:pPr/>
-              <a:t>3/31/2021</a:t>
+              <a:t>4/22/2021</a:t>
             </a:fld>
             <a:endParaRPr lang="en-US"/>
           </a:p>
@@ -1303,10 +1299,9 @@
           <a:lstStyle/>
           <a:p>
             <a:r>
-              <a:rPr kumimoji="0" lang="en-US" smtClean="0"/>
+              <a:rPr kumimoji="0" lang="en-US"/>
               <a:t>Click to edit Master title style</a:t>
             </a:r>
-            <a:endParaRPr kumimoji="0" lang="en-US"/>
           </a:p>
         </p:txBody>
       </p:sp>
@@ -1328,7 +1323,7 @@
             <a:fld id="{1D8BD707-D9CF-40AE-B4C6-C98DA3205C09}" type="datetimeFigureOut">
               <a:rPr lang="en-US" smtClean="0"/>
               <a:pPr/>
-              <a:t>3/31/2021</a:t>
+              <a:t>4/22/2021</a:t>
             </a:fld>
             <a:endParaRPr lang="en-US"/>
           </a:p>
@@ -1399,35 +1394,35 @@
           <a:p>
             <a:pPr lvl="0" eaLnBrk="1" latinLnBrk="0" hangingPunct="1"/>
             <a:r>
-              <a:rPr lang="en-US" smtClean="0"/>
+              <a:rPr lang="en-US"/>
               <a:t>Click to edit Master text styles</a:t>
             </a:r>
           </a:p>
           <a:p>
             <a:pPr lvl="1" eaLnBrk="1" latinLnBrk="0" hangingPunct="1"/>
             <a:r>
-              <a:rPr lang="en-US" smtClean="0"/>
+              <a:rPr lang="en-US"/>
               <a:t>Second level</a:t>
             </a:r>
           </a:p>
           <a:p>
             <a:pPr lvl="2" eaLnBrk="1" latinLnBrk="0" hangingPunct="1"/>
             <a:r>
-              <a:rPr lang="en-US" smtClean="0"/>
+              <a:rPr lang="en-US"/>
               <a:t>Third level</a:t>
             </a:r>
           </a:p>
           <a:p>
             <a:pPr lvl="3" eaLnBrk="1" latinLnBrk="0" hangingPunct="1"/>
             <a:r>
-              <a:rPr lang="en-US" smtClean="0"/>
+              <a:rPr lang="en-US"/>
               <a:t>Fourth level</a:t>
             </a:r>
           </a:p>
           <a:p>
             <a:pPr lvl="4" eaLnBrk="1" latinLnBrk="0" hangingPunct="1"/>
             <a:r>
-              <a:rPr lang="en-US" smtClean="0"/>
+              <a:rPr lang="en-US"/>
               <a:t>Fifth level</a:t>
             </a:r>
             <a:endParaRPr kumimoji="0" lang="en-US"/>
@@ -1584,10 +1579,9 @@
           </a:lstStyle>
           <a:p>
             <a:r>
-              <a:rPr kumimoji="0" lang="en-US" smtClean="0"/>
+              <a:rPr kumimoji="0" lang="en-US"/>
               <a:t>Click to edit Master title style</a:t>
             </a:r>
-            <a:endParaRPr kumimoji="0" lang="en-US"/>
           </a:p>
         </p:txBody>
       </p:sp>
@@ -1664,7 +1658,7 @@
           <a:p>
             <a:pPr lvl="0" eaLnBrk="1" latinLnBrk="0" hangingPunct="1"/>
             <a:r>
-              <a:rPr kumimoji="0" lang="en-US" smtClean="0"/>
+              <a:rPr kumimoji="0" lang="en-US"/>
               <a:t>Click to edit Master text styles</a:t>
             </a:r>
           </a:p>
@@ -1688,7 +1682,7 @@
             <a:fld id="{1D8BD707-D9CF-40AE-B4C6-C98DA3205C09}" type="datetimeFigureOut">
               <a:rPr lang="en-US" smtClean="0"/>
               <a:pPr/>
-              <a:t>3/31/2021</a:t>
+              <a:t>4/22/2021</a:t>
             </a:fld>
             <a:endParaRPr lang="en-US"/>
           </a:p>
@@ -1930,10 +1924,9 @@
           <a:lstStyle/>
           <a:p>
             <a:r>
-              <a:rPr kumimoji="0" lang="en-US" smtClean="0"/>
+              <a:rPr kumimoji="0" lang="en-US"/>
               <a:t>Click to edit Master title style</a:t>
             </a:r>
-            <a:endParaRPr kumimoji="0" lang="en-US"/>
           </a:p>
         </p:txBody>
       </p:sp>
@@ -1955,7 +1948,7 @@
             <a:fld id="{1D8BD707-D9CF-40AE-B4C6-C98DA3205C09}" type="datetimeFigureOut">
               <a:rPr lang="en-US" smtClean="0"/>
               <a:pPr/>
-              <a:t>3/31/2021</a:t>
+              <a:t>4/22/2021</a:t>
             </a:fld>
             <a:endParaRPr lang="en-US"/>
           </a:p>
@@ -2026,35 +2019,35 @@
           <a:p>
             <a:pPr lvl="0" eaLnBrk="1" latinLnBrk="0" hangingPunct="1"/>
             <a:r>
-              <a:rPr lang="en-US" smtClean="0"/>
+              <a:rPr lang="en-US"/>
               <a:t>Click to edit Master text styles</a:t>
             </a:r>
           </a:p>
           <a:p>
             <a:pPr lvl="1" eaLnBrk="1" latinLnBrk="0" hangingPunct="1"/>
             <a:r>
-              <a:rPr lang="en-US" smtClean="0"/>
+              <a:rPr lang="en-US"/>
               <a:t>Second level</a:t>
             </a:r>
           </a:p>
           <a:p>
             <a:pPr lvl="2" eaLnBrk="1" latinLnBrk="0" hangingPunct="1"/>
             <a:r>
-              <a:rPr lang="en-US" smtClean="0"/>
+              <a:rPr lang="en-US"/>
               <a:t>Third level</a:t>
             </a:r>
           </a:p>
           <a:p>
             <a:pPr lvl="3" eaLnBrk="1" latinLnBrk="0" hangingPunct="1"/>
             <a:r>
-              <a:rPr lang="en-US" smtClean="0"/>
+              <a:rPr lang="en-US"/>
               <a:t>Fourth level</a:t>
             </a:r>
           </a:p>
           <a:p>
             <a:pPr lvl="4" eaLnBrk="1" latinLnBrk="0" hangingPunct="1"/>
             <a:r>
-              <a:rPr lang="en-US" smtClean="0"/>
+              <a:rPr lang="en-US"/>
               <a:t>Fifth level</a:t>
             </a:r>
             <a:endParaRPr kumimoji="0" lang="en-US"/>
@@ -2083,35 +2076,35 @@
           <a:p>
             <a:pPr lvl="0" eaLnBrk="1" latinLnBrk="0" hangingPunct="1"/>
             <a:r>
-              <a:rPr lang="en-US" smtClean="0"/>
+              <a:rPr lang="en-US"/>
               <a:t>Click to edit Master text styles</a:t>
             </a:r>
           </a:p>
           <a:p>
             <a:pPr lvl="1" eaLnBrk="1" latinLnBrk="0" hangingPunct="1"/>
             <a:r>
-              <a:rPr lang="en-US" smtClean="0"/>
+              <a:rPr lang="en-US"/>
               <a:t>Second level</a:t>
             </a:r>
           </a:p>
           <a:p>
             <a:pPr lvl="2" eaLnBrk="1" latinLnBrk="0" hangingPunct="1"/>
             <a:r>
-              <a:rPr lang="en-US" smtClean="0"/>
+              <a:rPr lang="en-US"/>
               <a:t>Third level</a:t>
             </a:r>
           </a:p>
           <a:p>
             <a:pPr lvl="3" eaLnBrk="1" latinLnBrk="0" hangingPunct="1"/>
             <a:r>
-              <a:rPr lang="en-US" smtClean="0"/>
+              <a:rPr lang="en-US"/>
               <a:t>Fourth level</a:t>
             </a:r>
           </a:p>
           <a:p>
             <a:pPr lvl="4" eaLnBrk="1" latinLnBrk="0" hangingPunct="1"/>
             <a:r>
-              <a:rPr lang="en-US" smtClean="0"/>
+              <a:rPr lang="en-US"/>
               <a:t>Fifth level</a:t>
             </a:r>
             <a:endParaRPr kumimoji="0" lang="en-US"/>
@@ -2168,10 +2161,9 @@
           </a:lstStyle>
           <a:p>
             <a:r>
-              <a:rPr kumimoji="0" lang="en-US" smtClean="0"/>
+              <a:rPr kumimoji="0" lang="en-US"/>
               <a:t>Click to edit Master title style</a:t>
             </a:r>
-            <a:endParaRPr kumimoji="0" lang="en-US"/>
           </a:p>
         </p:txBody>
       </p:sp>
@@ -2232,7 +2224,7 @@
           <a:p>
             <a:pPr lvl="0" eaLnBrk="1" latinLnBrk="0" hangingPunct="1"/>
             <a:r>
-              <a:rPr kumimoji="0" lang="en-US" smtClean="0"/>
+              <a:rPr kumimoji="0" lang="en-US"/>
               <a:t>Click to edit Master text styles</a:t>
             </a:r>
           </a:p>
@@ -2295,7 +2287,7 @@
           <a:p>
             <a:pPr lvl="0" eaLnBrk="1" latinLnBrk="0" hangingPunct="1"/>
             <a:r>
-              <a:rPr kumimoji="0" lang="en-US" smtClean="0"/>
+              <a:rPr kumimoji="0" lang="en-US"/>
               <a:t>Click to edit Master text styles</a:t>
             </a:r>
           </a:p>
@@ -2319,7 +2311,7 @@
             <a:fld id="{1D8BD707-D9CF-40AE-B4C6-C98DA3205C09}" type="datetimeFigureOut">
               <a:rPr lang="en-US" smtClean="0"/>
               <a:pPr/>
-              <a:t>3/31/2021</a:t>
+              <a:t>4/22/2021</a:t>
             </a:fld>
             <a:endParaRPr lang="en-US"/>
           </a:p>
@@ -2390,35 +2382,35 @@
           <a:p>
             <a:pPr lvl="0" eaLnBrk="1" latinLnBrk="0" hangingPunct="1"/>
             <a:r>
-              <a:rPr lang="en-US" smtClean="0"/>
+              <a:rPr lang="en-US"/>
               <a:t>Click to edit Master text styles</a:t>
             </a:r>
           </a:p>
           <a:p>
             <a:pPr lvl="1" eaLnBrk="1" latinLnBrk="0" hangingPunct="1"/>
             <a:r>
-              <a:rPr lang="en-US" smtClean="0"/>
+              <a:rPr lang="en-US"/>
               <a:t>Second level</a:t>
             </a:r>
           </a:p>
           <a:p>
             <a:pPr lvl="2" eaLnBrk="1" latinLnBrk="0" hangingPunct="1"/>
             <a:r>
-              <a:rPr lang="en-US" smtClean="0"/>
+              <a:rPr lang="en-US"/>
               <a:t>Third level</a:t>
             </a:r>
           </a:p>
           <a:p>
             <a:pPr lvl="3" eaLnBrk="1" latinLnBrk="0" hangingPunct="1"/>
             <a:r>
-              <a:rPr lang="en-US" smtClean="0"/>
+              <a:rPr lang="en-US"/>
               <a:t>Fourth level</a:t>
             </a:r>
           </a:p>
           <a:p>
             <a:pPr lvl="4" eaLnBrk="1" latinLnBrk="0" hangingPunct="1"/>
             <a:r>
-              <a:rPr lang="en-US" smtClean="0"/>
+              <a:rPr lang="en-US"/>
               <a:t>Fifth level</a:t>
             </a:r>
             <a:endParaRPr kumimoji="0" lang="en-US"/>
@@ -2447,35 +2439,35 @@
           <a:p>
             <a:pPr lvl="0" eaLnBrk="1" latinLnBrk="0" hangingPunct="1"/>
             <a:r>
-              <a:rPr lang="en-US" smtClean="0"/>
+              <a:rPr lang="en-US"/>
               <a:t>Click to edit Master text styles</a:t>
             </a:r>
           </a:p>
           <a:p>
             <a:pPr lvl="1" eaLnBrk="1" latinLnBrk="0" hangingPunct="1"/>
             <a:r>
-              <a:rPr lang="en-US" smtClean="0"/>
+              <a:rPr lang="en-US"/>
               <a:t>Second level</a:t>
             </a:r>
           </a:p>
           <a:p>
             <a:pPr lvl="2" eaLnBrk="1" latinLnBrk="0" hangingPunct="1"/>
             <a:r>
-              <a:rPr lang="en-US" smtClean="0"/>
+              <a:rPr lang="en-US"/>
               <a:t>Third level</a:t>
             </a:r>
           </a:p>
           <a:p>
             <a:pPr lvl="3" eaLnBrk="1" latinLnBrk="0" hangingPunct="1"/>
             <a:r>
-              <a:rPr lang="en-US" smtClean="0"/>
+              <a:rPr lang="en-US"/>
               <a:t>Fourth level</a:t>
             </a:r>
           </a:p>
           <a:p>
             <a:pPr lvl="4" eaLnBrk="1" latinLnBrk="0" hangingPunct="1"/>
             <a:r>
-              <a:rPr lang="en-US" smtClean="0"/>
+              <a:rPr lang="en-US"/>
               <a:t>Fifth level</a:t>
             </a:r>
             <a:endParaRPr kumimoji="0" lang="en-US"/>
@@ -2523,10 +2515,9 @@
           <a:lstStyle/>
           <a:p>
             <a:r>
-              <a:rPr kumimoji="0" lang="en-US" smtClean="0"/>
+              <a:rPr kumimoji="0" lang="en-US"/>
               <a:t>Click to edit Master title style</a:t>
             </a:r>
-            <a:endParaRPr kumimoji="0" lang="en-US"/>
           </a:p>
         </p:txBody>
       </p:sp>
@@ -2548,7 +2539,7 @@
             <a:fld id="{1D8BD707-D9CF-40AE-B4C6-C98DA3205C09}" type="datetimeFigureOut">
               <a:rPr lang="en-US" smtClean="0"/>
               <a:pPr/>
-              <a:t>3/31/2021</a:t>
+              <a:t>4/22/2021</a:t>
             </a:fld>
             <a:endParaRPr lang="en-US"/>
           </a:p>
@@ -2640,7 +2631,7 @@
             <a:fld id="{1D8BD707-D9CF-40AE-B4C6-C98DA3205C09}" type="datetimeFigureOut">
               <a:rPr lang="en-US" smtClean="0"/>
               <a:pPr/>
-              <a:t>3/31/2021</a:t>
+              <a:t>4/22/2021</a:t>
             </a:fld>
             <a:endParaRPr lang="en-US"/>
           </a:p>
@@ -2835,10 +2826,9 @@
           </a:lstStyle>
           <a:p>
             <a:r>
-              <a:rPr kumimoji="0" lang="en-US" smtClean="0"/>
+              <a:rPr kumimoji="0" lang="en-US"/>
               <a:t>Click to edit Master title style</a:t>
             </a:r>
-            <a:endParaRPr kumimoji="0" lang="en-US"/>
           </a:p>
         </p:txBody>
       </p:sp>
@@ -2885,7 +2875,7 @@
           <a:p>
             <a:pPr lvl="0" eaLnBrk="1" latinLnBrk="0" hangingPunct="1"/>
             <a:r>
-              <a:rPr kumimoji="0" lang="en-US" smtClean="0"/>
+              <a:rPr kumimoji="0" lang="en-US"/>
               <a:t>Click to edit Master text styles</a:t>
             </a:r>
           </a:p>
@@ -2909,7 +2899,7 @@
             <a:fld id="{1D8BD707-D9CF-40AE-B4C6-C98DA3205C09}" type="datetimeFigureOut">
               <a:rPr lang="en-US" smtClean="0"/>
               <a:pPr/>
-              <a:t>3/31/2021</a:t>
+              <a:t>4/22/2021</a:t>
             </a:fld>
             <a:endParaRPr lang="en-US"/>
           </a:p>
@@ -2980,35 +2970,35 @@
           <a:p>
             <a:pPr lvl="0" eaLnBrk="1" latinLnBrk="0" hangingPunct="1"/>
             <a:r>
-              <a:rPr lang="en-US" smtClean="0"/>
+              <a:rPr lang="en-US"/>
               <a:t>Click to edit Master text styles</a:t>
             </a:r>
           </a:p>
           <a:p>
             <a:pPr lvl="1" eaLnBrk="1" latinLnBrk="0" hangingPunct="1"/>
             <a:r>
-              <a:rPr lang="en-US" smtClean="0"/>
+              <a:rPr lang="en-US"/>
               <a:t>Second level</a:t>
             </a:r>
           </a:p>
           <a:p>
             <a:pPr lvl="2" eaLnBrk="1" latinLnBrk="0" hangingPunct="1"/>
             <a:r>
-              <a:rPr lang="en-US" smtClean="0"/>
+              <a:rPr lang="en-US"/>
               <a:t>Third level</a:t>
             </a:r>
           </a:p>
           <a:p>
             <a:pPr lvl="3" eaLnBrk="1" latinLnBrk="0" hangingPunct="1"/>
             <a:r>
-              <a:rPr lang="en-US" smtClean="0"/>
+              <a:rPr lang="en-US"/>
               <a:t>Fourth level</a:t>
             </a:r>
           </a:p>
           <a:p>
             <a:pPr lvl="4" eaLnBrk="1" latinLnBrk="0" hangingPunct="1"/>
             <a:r>
-              <a:rPr lang="en-US" smtClean="0"/>
+              <a:rPr lang="en-US"/>
               <a:t>Fifth level</a:t>
             </a:r>
             <a:endParaRPr kumimoji="0" lang="en-US"/>
@@ -3068,10 +3058,9 @@
           </a:lstStyle>
           <a:p>
             <a:r>
-              <a:rPr kumimoji="0" lang="en-US" smtClean="0"/>
+              <a:rPr kumimoji="0" lang="en-US"/>
               <a:t>Click to edit Master title style</a:t>
             </a:r>
-            <a:endParaRPr kumimoji="0" lang="en-US"/>
           </a:p>
         </p:txBody>
       </p:sp>
@@ -3115,7 +3104,7 @@
           <a:p>
             <a:pPr lvl="0" eaLnBrk="1" latinLnBrk="0" hangingPunct="1"/>
             <a:r>
-              <a:rPr kumimoji="0" lang="en-US" smtClean="0"/>
+              <a:rPr kumimoji="0" lang="en-US"/>
               <a:t>Click to edit Master text styles</a:t>
             </a:r>
           </a:p>
@@ -3139,7 +3128,7 @@
             <a:fld id="{1D8BD707-D9CF-40AE-B4C6-C98DA3205C09}" type="datetimeFigureOut">
               <a:rPr lang="en-US" smtClean="0"/>
               <a:pPr/>
-              <a:t>3/31/2021</a:t>
+              <a:t>4/22/2021</a:t>
             </a:fld>
             <a:endParaRPr lang="en-US"/>
           </a:p>
@@ -3380,7 +3369,7 @@
           </a:lstStyle>
           <a:p>
             <a:r>
-              <a:rPr kumimoji="0" lang="en-US" smtClean="0"/>
+              <a:rPr kumimoji="0" lang="en-US"/>
               <a:t>Click icon to add picture</a:t>
             </a:r>
             <a:endParaRPr kumimoji="0" lang="en-US" dirty="0"/>
@@ -3537,10 +3526,9 @@
           <a:lstStyle/>
           <a:p>
             <a:r>
-              <a:rPr kumimoji="0" lang="en-US" smtClean="0"/>
+              <a:rPr kumimoji="0" lang="en-US"/>
               <a:t>Click to edit Master title style</a:t>
             </a:r>
-            <a:endParaRPr kumimoji="0" lang="en-US"/>
           </a:p>
         </p:txBody>
       </p:sp>
@@ -3571,38 +3559,37 @@
           <a:p>
             <a:pPr lvl="0" eaLnBrk="1" latinLnBrk="0" hangingPunct="1"/>
             <a:r>
-              <a:rPr kumimoji="0" lang="en-US" smtClean="0"/>
+              <a:rPr kumimoji="0" lang="en-US"/>
               <a:t>Click to edit Master text styles</a:t>
             </a:r>
           </a:p>
           <a:p>
             <a:pPr lvl="1" eaLnBrk="1" latinLnBrk="0" hangingPunct="1"/>
             <a:r>
-              <a:rPr kumimoji="0" lang="en-US" smtClean="0"/>
+              <a:rPr kumimoji="0" lang="en-US"/>
               <a:t>Second level</a:t>
             </a:r>
           </a:p>
           <a:p>
             <a:pPr lvl="2" eaLnBrk="1" latinLnBrk="0" hangingPunct="1"/>
             <a:r>
-              <a:rPr kumimoji="0" lang="en-US" smtClean="0"/>
+              <a:rPr kumimoji="0" lang="en-US"/>
               <a:t>Third level</a:t>
             </a:r>
           </a:p>
           <a:p>
             <a:pPr lvl="3" eaLnBrk="1" latinLnBrk="0" hangingPunct="1"/>
             <a:r>
-              <a:rPr kumimoji="0" lang="en-US" smtClean="0"/>
+              <a:rPr kumimoji="0" lang="en-US"/>
               <a:t>Fourth level</a:t>
             </a:r>
           </a:p>
           <a:p>
             <a:pPr lvl="4" eaLnBrk="1" latinLnBrk="0" hangingPunct="1"/>
             <a:r>
-              <a:rPr kumimoji="0" lang="en-US" smtClean="0"/>
+              <a:rPr kumimoji="0" lang="en-US"/>
               <a:t>Fifth level</a:t>
             </a:r>
-            <a:endParaRPr kumimoji="0" lang="en-US"/>
           </a:p>
         </p:txBody>
       </p:sp>
@@ -3640,7 +3627,7 @@
             <a:fld id="{1D8BD707-D9CF-40AE-B4C6-C98DA3205C09}" type="datetimeFigureOut">
               <a:rPr lang="en-US" smtClean="0"/>
               <a:pPr/>
-              <a:t>3/31/2021</a:t>
+              <a:t>4/22/2021</a:t>
             </a:fld>
             <a:endParaRPr lang="en-US"/>
           </a:p>
@@ -4080,10 +4067,9 @@
           <a:lstStyle/>
           <a:p>
             <a:r>
-              <a:rPr lang="en-IN" dirty="0" smtClean="0"/>
+              <a:rPr lang="en-IN" dirty="0"/>
               <a:t>Synchronization</a:t>
             </a:r>
-            <a:endParaRPr lang="en-IN" dirty="0"/>
           </a:p>
         </p:txBody>
       </p:sp>
@@ -4097,13 +4083,6 @@
   <p:clrMapOvr>
     <a:masterClrMapping/>
   </p:clrMapOvr>
-  <p:timing>
-    <p:tnLst>
-      <p:par>
-        <p:cTn id="1" dur="indefinite" restart="never" nodeType="tmRoot"/>
-      </p:par>
-    </p:tnLst>
-  </p:timing>
 </p:sld>
 </file>
 
@@ -4335,39 +4314,27 @@
             </a:pPr>
             <a:r>
               <a:rPr lang="en-IN" dirty="0"/>
-              <a:t>           </a:t>
-            </a:r>
-            <a:r>
-              <a:rPr lang="en-IN" dirty="0" smtClean="0"/>
-              <a:t>		 </a:t>
-            </a:r>
-            <a:r>
-              <a:rPr lang="en-IN" dirty="0"/>
-              <a:t>synchronized(target) {</a:t>
-            </a:r>
-          </a:p>
-          <a:p>
-            <a:pPr marL="0" indent="0">
-              <a:buNone/>
-            </a:pPr>
-            <a:r>
-              <a:rPr lang="en-IN" dirty="0"/>
-              <a:t>		</a:t>
-            </a:r>
-            <a:r>
-              <a:rPr lang="en-IN" dirty="0" smtClean="0"/>
-              <a:t>	</a:t>
-            </a:r>
-            <a:r>
-              <a:rPr lang="en-IN" dirty="0" err="1" smtClean="0"/>
+              <a:t>           		 synchronized(target) {</a:t>
+            </a:r>
+          </a:p>
+          <a:p>
+            <a:pPr marL="0" indent="0">
+              <a:buNone/>
+            </a:pPr>
+            <a:r>
+              <a:rPr lang="en-IN" dirty="0"/>
+              <a:t>			</a:t>
+            </a:r>
+            <a:r>
+              <a:rPr lang="en-IN" dirty="0" err="1"/>
               <a:t>target.call</a:t>
             </a:r>
             <a:r>
-              <a:rPr lang="en-IN" dirty="0" smtClean="0"/>
+              <a:rPr lang="en-IN" dirty="0"/>
               <a:t>(</a:t>
             </a:r>
             <a:r>
-              <a:rPr lang="en-IN" dirty="0" err="1" smtClean="0"/>
+              <a:rPr lang="en-IN" dirty="0" err="1"/>
               <a:t>msg</a:t>
             </a:r>
             <a:r>
@@ -4381,15 +4348,7 @@
             </a:pPr>
             <a:r>
               <a:rPr lang="en-IN" dirty="0"/>
-              <a:t>         </a:t>
-            </a:r>
-            <a:r>
-              <a:rPr lang="en-IN" dirty="0" smtClean="0"/>
-              <a:t>		  </a:t>
-            </a:r>
-            <a:r>
-              <a:rPr lang="en-IN" dirty="0"/>
-              <a:t>}</a:t>
+              <a:t>         		  }</a:t>
             </a:r>
           </a:p>
           <a:p>
@@ -4558,15 +4517,7 @@
             </a:pPr>
             <a:r>
               <a:rPr lang="en-IN" dirty="0"/>
-              <a:t>	</a:t>
-            </a:r>
-            <a:r>
-              <a:rPr lang="en-IN" dirty="0" smtClean="0"/>
-              <a:t>	Caller </a:t>
-            </a:r>
-            <a:r>
-              <a:rPr lang="en-IN" dirty="0"/>
-              <a:t>ob2 = new Caller(target, "Synchronized");</a:t>
+              <a:t>		Caller ob2 = new Caller(target, "Synchronized");</a:t>
             </a:r>
           </a:p>
           <a:p>
@@ -4584,13 +4535,8 @@
             </a:pPr>
             <a:r>
               <a:rPr lang="en-IN" dirty="0"/>
-              <a:t>	</a:t>
-            </a:r>
-            <a:r>
-              <a:rPr lang="en-IN" dirty="0" smtClean="0"/>
-              <a:t>}</a:t>
-            </a:r>
-            <a:endParaRPr lang="en-IN" dirty="0"/>
+              <a:t>	}</a:t>
+            </a:r>
           </a:p>
           <a:p>
             <a:pPr marL="0" indent="0">
@@ -4729,49 +4675,21 @@
           <a:p>
             <a:r>
               <a:rPr lang="en-US" dirty="0"/>
-              <a:t>When two or more threads need access to a shared resource, they need some way to </a:t>
-            </a:r>
-            <a:r>
-              <a:rPr lang="en-US" dirty="0" smtClean="0"/>
-              <a:t>ensure that </a:t>
-            </a:r>
+              <a:t>When two or more threads need access to a shared resource, they need some way to ensure that the resource will be used by only one thread at a time.</a:t>
+            </a:r>
+          </a:p>
+          <a:p>
             <a:r>
               <a:rPr lang="en-US" dirty="0"/>
-              <a:t>the resource will be used by only one thread at a time</a:t>
-            </a:r>
-            <a:r>
-              <a:rPr lang="en-US" dirty="0" smtClean="0"/>
-              <a:t>.</a:t>
-            </a:r>
-          </a:p>
-          <a:p>
-            <a:r>
-              <a:rPr lang="en-US" dirty="0" smtClean="0"/>
-              <a:t> </a:t>
-            </a:r>
-            <a:r>
-              <a:rPr lang="en-US" dirty="0"/>
-              <a:t>The process by which this </a:t>
-            </a:r>
-            <a:r>
-              <a:rPr lang="en-US" dirty="0" smtClean="0"/>
-              <a:t>is </a:t>
-            </a:r>
-            <a:r>
-              <a:rPr lang="en-IN" dirty="0" smtClean="0"/>
-              <a:t>achieved </a:t>
-            </a:r>
-            <a:r>
-              <a:rPr lang="en-IN" dirty="0"/>
-              <a:t>is called </a:t>
+              <a:t> The process by which this is </a:t>
+            </a:r>
+            <a:r>
+              <a:rPr lang="en-IN" dirty="0"/>
+              <a:t>achieved is called </a:t>
             </a:r>
             <a:r>
               <a:rPr lang="en-IN" i="1" dirty="0"/>
-              <a:t>synchronization</a:t>
-            </a:r>
-            <a:r>
-              <a:rPr lang="en-IN" i="1" dirty="0" smtClean="0"/>
-              <a:t>.</a:t>
+              <a:t>synchronization.</a:t>
             </a:r>
           </a:p>
         </p:txBody>
@@ -4822,10 +4740,9 @@
           <a:lstStyle/>
           <a:p>
             <a:r>
-              <a:rPr lang="en-IN" dirty="0" smtClean="0"/>
+              <a:rPr lang="en-IN" dirty="0"/>
               <a:t>Monitor</a:t>
             </a:r>
-            <a:endParaRPr lang="en-IN" dirty="0"/>
           </a:p>
         </p:txBody>
       </p:sp>
@@ -4856,16 +4773,12 @@
               <a:t>A </a:t>
             </a:r>
             <a:r>
-              <a:rPr lang="en-IN" i="1" dirty="0" smtClean="0"/>
+              <a:rPr lang="en-IN" i="1" dirty="0"/>
               <a:t>monitor </a:t>
             </a:r>
             <a:r>
-              <a:rPr lang="en-US" dirty="0" smtClean="0"/>
-              <a:t>is </a:t>
-            </a:r>
-            <a:r>
               <a:rPr lang="en-US" dirty="0"/>
-              <a:t>an object that is used as a mutually exclusive lock, or </a:t>
+              <a:t>is an object that is used as a mutually exclusive lock, or </a:t>
             </a:r>
             <a:r>
               <a:rPr lang="en-US" i="1" dirty="0" err="1"/>
@@ -4875,28 +4788,19 @@
               <a:rPr lang="en-US" i="1" dirty="0"/>
               <a:t>. </a:t>
             </a:r>
-            <a:endParaRPr lang="en-US" i="1" dirty="0" smtClean="0"/>
-          </a:p>
-          <a:p>
-            <a:r>
-              <a:rPr lang="en-US" dirty="0" smtClean="0"/>
-              <a:t>Only </a:t>
-            </a:r>
+          </a:p>
+          <a:p>
             <a:r>
               <a:rPr lang="en-US" dirty="0"/>
-              <a:t>one thread can </a:t>
+              <a:t>Only one thread can </a:t>
             </a:r>
             <a:r>
               <a:rPr lang="en-US" i="1" dirty="0"/>
               <a:t>own </a:t>
             </a:r>
             <a:r>
-              <a:rPr lang="en-US" dirty="0" smtClean="0"/>
-              <a:t>a monitor </a:t>
-            </a:r>
-            <a:r>
               <a:rPr lang="en-US" dirty="0"/>
-              <a:t>at a given time. When a thread acquires a lock, it is said to have </a:t>
+              <a:t>a monitor at a given time. When a thread acquires a lock, it is said to have </a:t>
             </a:r>
             <a:r>
               <a:rPr lang="en-US" i="1" dirty="0"/>
@@ -4910,11 +4814,7 @@
           <a:p>
             <a:r>
               <a:rPr lang="en-US" dirty="0"/>
-              <a:t>All other threads attempting to enter the locked monitor will be suspended until the </a:t>
-            </a:r>
-            <a:r>
-              <a:rPr lang="en-US" dirty="0" smtClean="0"/>
-              <a:t>first thread </a:t>
+              <a:t>All other threads attempting to enter the locked monitor will be suspended until the first thread </a:t>
             </a:r>
             <a:r>
               <a:rPr lang="en-US" i="1" dirty="0"/>
@@ -4924,16 +4824,11 @@
               <a:rPr lang="en-US" dirty="0"/>
               <a:t>the monitor. </a:t>
             </a:r>
-            <a:endParaRPr lang="en-US" dirty="0" smtClean="0"/>
-          </a:p>
-          <a:p>
-            <a:r>
-              <a:rPr lang="en-US" dirty="0" smtClean="0"/>
-              <a:t>These </a:t>
-            </a:r>
+          </a:p>
+          <a:p>
             <a:r>
               <a:rPr lang="en-US" dirty="0"/>
-              <a:t>other threads are said to be </a:t>
+              <a:t>These other threads are said to be </a:t>
             </a:r>
             <a:r>
               <a:rPr lang="en-US" i="1" dirty="0"/>
@@ -4941,21 +4836,13 @@
             </a:r>
             <a:r>
               <a:rPr lang="en-US" dirty="0"/>
-              <a:t>for the monitor</a:t>
-            </a:r>
-            <a:r>
-              <a:rPr lang="en-US" dirty="0" smtClean="0"/>
-              <a:t>.</a:t>
-            </a:r>
-          </a:p>
-          <a:p>
-            <a:r>
-              <a:rPr lang="en-IN" dirty="0"/>
-              <a:t>Java implements synchronization </a:t>
-            </a:r>
-            <a:r>
-              <a:rPr lang="en-IN" dirty="0" smtClean="0"/>
-              <a:t>through </a:t>
+              <a:t>for the monitor.</a:t>
+            </a:r>
+          </a:p>
+          <a:p>
+            <a:r>
+              <a:rPr lang="en-IN" dirty="0"/>
+              <a:t>Java implements synchronization through </a:t>
             </a:r>
             <a:r>
               <a:rPr lang="en-IN" b="1" dirty="0"/>
@@ -5014,10 +4901,9 @@
           <a:lstStyle/>
           <a:p>
             <a:r>
-              <a:rPr lang="en-IN" dirty="0" smtClean="0"/>
+              <a:rPr lang="en-IN" dirty="0"/>
               <a:t>Example</a:t>
             </a:r>
-            <a:endParaRPr lang="en-IN" dirty="0"/>
           </a:p>
         </p:txBody>
       </p:sp>
@@ -5059,12 +4945,8 @@
               <a:buNone/>
             </a:pPr>
             <a:r>
-              <a:rPr lang="en-IN" dirty="0" smtClean="0"/>
-              <a:t>	void </a:t>
-            </a:r>
-            <a:r>
-              <a:rPr lang="en-IN" dirty="0"/>
-              <a:t>call(String </a:t>
+              <a:rPr lang="en-IN" dirty="0"/>
+              <a:t>	void call(String </a:t>
             </a:r>
             <a:r>
               <a:rPr lang="en-IN" dirty="0" err="1"/>
@@ -5080,11 +4962,11 @@
               <a:buNone/>
             </a:pPr>
             <a:r>
-              <a:rPr lang="en-IN" dirty="0" smtClean="0"/>
+              <a:rPr lang="en-IN" dirty="0"/>
               <a:t>		</a:t>
             </a:r>
             <a:r>
-              <a:rPr lang="en-IN" dirty="0" err="1" smtClean="0"/>
+              <a:rPr lang="en-IN" dirty="0" err="1"/>
               <a:t>System.out.print</a:t>
             </a:r>
             <a:r>
@@ -5105,46 +4987,34 @@
               <a:buNone/>
             </a:pPr>
             <a:r>
-              <a:rPr lang="en-IN" dirty="0" smtClean="0"/>
-              <a:t>		try </a:t>
-            </a:r>
-            <a:r>
-              <a:rPr lang="en-IN" dirty="0"/>
-              <a:t>{</a:t>
-            </a:r>
-          </a:p>
-          <a:p>
-            <a:pPr marL="0" indent="0">
-              <a:buNone/>
-            </a:pPr>
-            <a:r>
-              <a:rPr lang="en-IN" dirty="0" smtClean="0"/>
+              <a:rPr lang="en-IN" dirty="0"/>
+              <a:t>		try {</a:t>
+            </a:r>
+          </a:p>
+          <a:p>
+            <a:pPr marL="0" indent="0">
+              <a:buNone/>
+            </a:pPr>
+            <a:r>
+              <a:rPr lang="en-IN" dirty="0"/>
               <a:t>			</a:t>
             </a:r>
             <a:r>
-              <a:rPr lang="en-IN" dirty="0" err="1" smtClean="0"/>
+              <a:rPr lang="en-IN" dirty="0" err="1"/>
               <a:t>Thread.sleep</a:t>
             </a:r>
             <a:r>
-              <a:rPr lang="en-IN" dirty="0" smtClean="0"/>
-              <a:t>(1000</a:t>
-            </a:r>
-            <a:r>
-              <a:rPr lang="en-IN" dirty="0"/>
-              <a:t>);</a:t>
-            </a:r>
-          </a:p>
-          <a:p>
-            <a:pPr marL="0" indent="0">
-              <a:buNone/>
-            </a:pPr>
-            <a:r>
-              <a:rPr lang="en-IN" dirty="0" smtClean="0"/>
-              <a:t>		} </a:t>
-            </a:r>
-            <a:r>
-              <a:rPr lang="en-IN" dirty="0"/>
-              <a:t>catch(</a:t>
+              <a:rPr lang="en-IN" dirty="0"/>
+              <a:t>(1000);</a:t>
+            </a:r>
+          </a:p>
+          <a:p>
+            <a:pPr marL="0" indent="0">
+              <a:buNone/>
+            </a:pPr>
+            <a:r>
+              <a:rPr lang="en-IN" dirty="0"/>
+              <a:t>		} catch(</a:t>
             </a:r>
             <a:r>
               <a:rPr lang="en-IN" dirty="0" err="1"/>
@@ -5160,11 +5030,11 @@
               <a:buNone/>
             </a:pPr>
             <a:r>
-              <a:rPr lang="en-IN" dirty="0" smtClean="0"/>
+              <a:rPr lang="en-IN" dirty="0"/>
               <a:t>		</a:t>
             </a:r>
             <a:r>
-              <a:rPr lang="en-IN" dirty="0" err="1" smtClean="0"/>
+              <a:rPr lang="en-IN" dirty="0" err="1"/>
               <a:t>System.out.println</a:t>
             </a:r>
             <a:r>
@@ -5177,21 +5047,20 @@
               <a:buNone/>
             </a:pPr>
             <a:r>
-              <a:rPr lang="en-IN" dirty="0" smtClean="0"/>
+              <a:rPr lang="en-IN" dirty="0"/>
               <a:t>	}</a:t>
             </a:r>
-            <a:endParaRPr lang="en-IN" dirty="0"/>
-          </a:p>
-          <a:p>
-            <a:pPr marL="0" indent="0">
-              <a:buNone/>
-            </a:pPr>
-            <a:r>
-              <a:rPr lang="en-IN" dirty="0" smtClean="0"/>
+          </a:p>
+          <a:p>
+            <a:pPr marL="0" indent="0">
+              <a:buNone/>
+            </a:pPr>
+            <a:r>
+              <a:rPr lang="en-IN" dirty="0"/>
               <a:t>	</a:t>
             </a:r>
             <a:r>
-              <a:rPr lang="en-IN" dirty="0" err="1" smtClean="0"/>
+              <a:rPr lang="en-IN" dirty="0" err="1"/>
               <a:t>System.out.println</a:t>
             </a:r>
             <a:r>
@@ -5204,10 +5073,9 @@
               <a:buNone/>
             </a:pPr>
             <a:r>
-              <a:rPr lang="en-IN" dirty="0" smtClean="0"/>
+              <a:rPr lang="en-IN" dirty="0"/>
               <a:t>	}</a:t>
             </a:r>
-            <a:endParaRPr lang="en-IN" dirty="0"/>
           </a:p>
           <a:p>
             <a:pPr marL="0" indent="0">
@@ -5266,10 +5134,9 @@
           <a:lstStyle/>
           <a:p>
             <a:r>
-              <a:rPr lang="en-IN" dirty="0" smtClean="0"/>
+              <a:rPr lang="en-IN" dirty="0"/>
               <a:t>Example</a:t>
             </a:r>
-            <a:endParaRPr lang="en-IN" dirty="0"/>
           </a:p>
         </p:txBody>
       </p:sp>
@@ -5303,7 +5170,7 @@
               <a:buNone/>
             </a:pPr>
             <a:r>
-              <a:rPr lang="en-IN" dirty="0" smtClean="0"/>
+              <a:rPr lang="en-IN" dirty="0"/>
               <a:t>	String </a:t>
             </a:r>
             <a:r>
@@ -5320,50 +5187,34 @@
               <a:buNone/>
             </a:pPr>
             <a:r>
-              <a:rPr lang="en-IN" dirty="0" smtClean="0"/>
+              <a:rPr lang="en-IN" dirty="0"/>
               <a:t>	</a:t>
             </a:r>
             <a:r>
-              <a:rPr lang="en-IN" dirty="0" err="1" smtClean="0"/>
+              <a:rPr lang="en-IN" dirty="0" err="1"/>
               <a:t>Callme</a:t>
             </a:r>
             <a:r>
-              <a:rPr lang="en-IN" dirty="0" smtClean="0"/>
-              <a:t> </a:t>
-            </a:r>
-            <a:r>
-              <a:rPr lang="en-IN" dirty="0"/>
-              <a:t>target;</a:t>
-            </a:r>
-          </a:p>
-          <a:p>
-            <a:pPr marL="0" indent="0">
-              <a:buNone/>
-            </a:pPr>
-            <a:r>
-              <a:rPr lang="en-IN" dirty="0" smtClean="0"/>
-              <a:t>	Thread </a:t>
-            </a:r>
-            <a:r>
-              <a:rPr lang="en-IN" dirty="0"/>
-              <a:t>t</a:t>
-            </a:r>
-            <a:r>
-              <a:rPr lang="en-IN" dirty="0" smtClean="0"/>
-              <a:t>;</a:t>
-            </a:r>
-          </a:p>
-          <a:p>
-            <a:pPr marL="0" indent="0">
-              <a:buNone/>
-            </a:pPr>
-            <a:r>
-              <a:rPr lang="en-US" dirty="0" smtClean="0"/>
-              <a:t>	public </a:t>
-            </a:r>
+              <a:rPr lang="en-IN" dirty="0"/>
+              <a:t> target;</a:t>
+            </a:r>
+          </a:p>
+          <a:p>
+            <a:pPr marL="0" indent="0">
+              <a:buNone/>
+            </a:pPr>
+            <a:r>
+              <a:rPr lang="en-IN" dirty="0"/>
+              <a:t>	Thread t;</a:t>
+            </a:r>
+          </a:p>
+          <a:p>
+            <a:pPr marL="0" indent="0">
+              <a:buNone/>
+            </a:pPr>
             <a:r>
               <a:rPr lang="en-US" dirty="0"/>
-              <a:t>Caller(</a:t>
+              <a:t>	public Caller(</a:t>
             </a:r>
             <a:r>
               <a:rPr lang="en-US" dirty="0" err="1"/>
@@ -5387,12 +5238,8 @@
               <a:buNone/>
             </a:pPr>
             <a:r>
-              <a:rPr lang="en-IN" dirty="0" smtClean="0"/>
-              <a:t>		target </a:t>
-            </a:r>
-            <a:r>
-              <a:rPr lang="en-IN" dirty="0"/>
-              <a:t>= </a:t>
+              <a:rPr lang="en-IN" dirty="0"/>
+              <a:t>		target = </a:t>
             </a:r>
             <a:r>
               <a:rPr lang="en-IN" dirty="0" err="1"/>
@@ -5408,45 +5255,37 @@
               <a:buNone/>
             </a:pPr>
             <a:r>
-              <a:rPr lang="en-IN" dirty="0" smtClean="0"/>
+              <a:rPr lang="en-IN" dirty="0"/>
               <a:t>		</a:t>
             </a:r>
             <a:r>
-              <a:rPr lang="en-IN" dirty="0" err="1" smtClean="0"/>
+              <a:rPr lang="en-IN" dirty="0" err="1"/>
               <a:t>msg</a:t>
             </a:r>
             <a:r>
-              <a:rPr lang="en-IN" dirty="0" smtClean="0"/>
-              <a:t> </a:t>
-            </a:r>
-            <a:r>
-              <a:rPr lang="en-IN" dirty="0"/>
-              <a:t>= s;</a:t>
-            </a:r>
-          </a:p>
-          <a:p>
-            <a:pPr marL="0" indent="0">
-              <a:buNone/>
-            </a:pPr>
-            <a:r>
-              <a:rPr lang="en-IN" dirty="0" smtClean="0"/>
-              <a:t>		t </a:t>
-            </a:r>
-            <a:r>
-              <a:rPr lang="en-IN" dirty="0"/>
-              <a:t>= new Thread(this);</a:t>
-            </a:r>
-          </a:p>
-          <a:p>
-            <a:pPr marL="0" indent="0">
-              <a:buNone/>
-            </a:pPr>
-            <a:r>
-              <a:rPr lang="en-IN" dirty="0" smtClean="0"/>
+              <a:rPr lang="en-IN" dirty="0"/>
+              <a:t> = s;</a:t>
+            </a:r>
+          </a:p>
+          <a:p>
+            <a:pPr marL="0" indent="0">
+              <a:buNone/>
+            </a:pPr>
+            <a:r>
+              <a:rPr lang="en-IN" dirty="0"/>
+              <a:t>		t = new Thread(this);</a:t>
+            </a:r>
+          </a:p>
+          <a:p>
+            <a:pPr marL="0" indent="0">
+              <a:buNone/>
+            </a:pPr>
+            <a:r>
+              <a:rPr lang="en-IN" dirty="0"/>
               <a:t>		</a:t>
             </a:r>
             <a:r>
-              <a:rPr lang="en-IN" dirty="0" err="1" smtClean="0"/>
+              <a:rPr lang="en-IN" dirty="0" err="1"/>
               <a:t>t.start</a:t>
             </a:r>
             <a:r>
@@ -5459,42 +5298,37 @@
               <a:buNone/>
             </a:pPr>
             <a:r>
-              <a:rPr lang="en-IN" dirty="0" smtClean="0"/>
+              <a:rPr lang="en-IN" dirty="0"/>
               <a:t>	}</a:t>
             </a:r>
-            <a:endParaRPr lang="en-IN" dirty="0"/>
-          </a:p>
-          <a:p>
-            <a:pPr marL="0" indent="0">
-              <a:buNone/>
-            </a:pPr>
-            <a:r>
-              <a:rPr lang="en-IN" dirty="0" smtClean="0"/>
-              <a:t>	public </a:t>
-            </a:r>
-            <a:r>
-              <a:rPr lang="en-IN" dirty="0"/>
-              <a:t>void run() {</a:t>
-            </a:r>
-          </a:p>
-          <a:p>
-            <a:pPr marL="0" indent="0">
-              <a:buNone/>
-            </a:pPr>
-            <a:r>
-              <a:rPr lang="en-IN" dirty="0" smtClean="0"/>
+          </a:p>
+          <a:p>
+            <a:pPr marL="0" indent="0">
+              <a:buNone/>
+            </a:pPr>
+            <a:r>
+              <a:rPr lang="en-IN" dirty="0"/>
+              <a:t>	public void run() {</a:t>
+            </a:r>
+          </a:p>
+          <a:p>
+            <a:pPr marL="0" indent="0">
+              <a:buNone/>
+            </a:pPr>
+            <a:r>
+              <a:rPr lang="en-IN" dirty="0"/>
               <a:t>		</a:t>
             </a:r>
             <a:r>
-              <a:rPr lang="en-IN" dirty="0" err="1" smtClean="0"/>
+              <a:rPr lang="en-IN" dirty="0" err="1"/>
               <a:t>target.call</a:t>
             </a:r>
             <a:r>
-              <a:rPr lang="en-IN" dirty="0" smtClean="0"/>
+              <a:rPr lang="en-IN" dirty="0"/>
               <a:t>(</a:t>
             </a:r>
             <a:r>
-              <a:rPr lang="en-IN" dirty="0" err="1" smtClean="0"/>
+              <a:rPr lang="en-IN" dirty="0" err="1"/>
               <a:t>msg</a:t>
             </a:r>
             <a:r>
@@ -5507,10 +5341,9 @@
               <a:buNone/>
             </a:pPr>
             <a:r>
-              <a:rPr lang="en-IN" dirty="0" smtClean="0"/>
+              <a:rPr lang="en-IN" dirty="0"/>
               <a:t>	}</a:t>
             </a:r>
-            <a:endParaRPr lang="en-IN" dirty="0"/>
           </a:p>
           <a:p>
             <a:pPr marL="0" indent="0">
@@ -5576,10 +5409,9 @@
           <a:lstStyle/>
           <a:p>
             <a:r>
-              <a:rPr lang="en-IN" dirty="0" smtClean="0"/>
+              <a:rPr lang="en-IN" dirty="0"/>
               <a:t>Example</a:t>
             </a:r>
-            <a:endParaRPr lang="en-IN" dirty="0"/>
           </a:p>
         </p:txBody>
       </p:sp>
@@ -5618,12 +5450,8 @@
               <a:buNone/>
             </a:pPr>
             <a:r>
-              <a:rPr lang="en-US" dirty="0" smtClean="0"/>
-              <a:t>	public </a:t>
-            </a:r>
-            <a:r>
               <a:rPr lang="en-US" dirty="0"/>
-              <a:t>static void main(String </a:t>
+              <a:t>	public static void main(String </a:t>
             </a:r>
             <a:r>
               <a:rPr lang="en-US" dirty="0" err="1"/>
@@ -5639,20 +5467,8 @@
               <a:buNone/>
             </a:pPr>
             <a:r>
-              <a:rPr lang="en-IN" dirty="0" smtClean="0"/>
+              <a:rPr lang="en-IN" dirty="0"/>
               <a:t>		</a:t>
-            </a:r>
-            <a:r>
-              <a:rPr lang="en-IN" dirty="0" err="1" smtClean="0"/>
-              <a:t>Callme</a:t>
-            </a:r>
-            <a:r>
-              <a:rPr lang="en-IN" dirty="0" smtClean="0"/>
-              <a:t> </a:t>
-            </a:r>
-            <a:r>
-              <a:rPr lang="en-IN" dirty="0"/>
-              <a:t>target = new </a:t>
             </a:r>
             <a:r>
               <a:rPr lang="en-IN" dirty="0" err="1"/>
@@ -5660,6 +5476,14 @@
             </a:r>
             <a:r>
               <a:rPr lang="en-IN" dirty="0"/>
+              <a:t> target = new </a:t>
+            </a:r>
+            <a:r>
+              <a:rPr lang="en-IN" dirty="0" err="1"/>
+              <a:t>Callme</a:t>
+            </a:r>
+            <a:r>
+              <a:rPr lang="en-IN" dirty="0"/>
               <a:t>();</a:t>
             </a:r>
           </a:p>
@@ -5668,56 +5492,43 @@
               <a:buNone/>
             </a:pPr>
             <a:r>
-              <a:rPr lang="en-US" dirty="0" smtClean="0"/>
-              <a:t>		Caller </a:t>
-            </a:r>
-            <a:r>
               <a:rPr lang="en-US" dirty="0"/>
-              <a:t>ob1 = new Caller(target, "Hello");</a:t>
-            </a:r>
-          </a:p>
-          <a:p>
-            <a:pPr marL="0" indent="0">
-              <a:buNone/>
-            </a:pPr>
-            <a:r>
-              <a:rPr lang="en-US" dirty="0" smtClean="0"/>
-              <a:t>		Caller </a:t>
-            </a:r>
+              <a:t>		Caller ob1 = new Caller(target, "Hello");</a:t>
+            </a:r>
+          </a:p>
+          <a:p>
+            <a:pPr marL="0" indent="0">
+              <a:buNone/>
+            </a:pPr>
             <a:r>
               <a:rPr lang="en-US" dirty="0"/>
-              <a:t>ob2 = new Caller(target, "Synchronized");</a:t>
-            </a:r>
-          </a:p>
-          <a:p>
-            <a:pPr marL="0" indent="0">
-              <a:buNone/>
-            </a:pPr>
-            <a:r>
-              <a:rPr lang="en-US" dirty="0" smtClean="0"/>
-              <a:t>		Caller </a:t>
-            </a:r>
+              <a:t>		Caller ob2 = new Caller(target, "Synchronized");</a:t>
+            </a:r>
+          </a:p>
+          <a:p>
+            <a:pPr marL="0" indent="0">
+              <a:buNone/>
+            </a:pPr>
             <a:r>
               <a:rPr lang="en-US" dirty="0"/>
-              <a:t>ob3 = new Caller(target, "World");</a:t>
-            </a:r>
-          </a:p>
-          <a:p>
-            <a:pPr marL="0" indent="0">
-              <a:buNone/>
-            </a:pPr>
-            <a:r>
-              <a:rPr lang="en-IN" dirty="0" smtClean="0"/>
+              <a:t>		Caller ob3 = new Caller(target, "World");</a:t>
+            </a:r>
+          </a:p>
+          <a:p>
+            <a:pPr marL="0" indent="0">
+              <a:buNone/>
+            </a:pPr>
+            <a:r>
+              <a:rPr lang="en-IN" dirty="0"/>
               <a:t>	}</a:t>
             </a:r>
-            <a:endParaRPr lang="en-IN" dirty="0"/>
-          </a:p>
-          <a:p>
-            <a:pPr marL="0" indent="0">
-              <a:buNone/>
-            </a:pPr>
-            <a:r>
-              <a:rPr lang="en-IN" dirty="0" smtClean="0"/>
+          </a:p>
+          <a:p>
+            <a:pPr marL="0" indent="0">
+              <a:buNone/>
+            </a:pPr>
+            <a:r>
+              <a:rPr lang="en-IN" dirty="0"/>
               <a:t>}</a:t>
             </a:r>
           </a:p>
@@ -5726,7 +5537,7 @@
               <a:buNone/>
             </a:pPr>
             <a:r>
-              <a:rPr lang="en-IN" dirty="0" smtClean="0"/>
+              <a:rPr lang="en-IN" dirty="0"/>
               <a:t>Output:</a:t>
             </a:r>
           </a:p>
@@ -5805,10 +5616,9 @@
           <a:lstStyle/>
           <a:p>
             <a:r>
-              <a:rPr lang="en-IN" dirty="0" smtClean="0"/>
+              <a:rPr lang="en-IN" dirty="0"/>
               <a:t>Example</a:t>
             </a:r>
-            <a:endParaRPr lang="en-IN" dirty="0"/>
           </a:p>
         </p:txBody>
       </p:sp>
@@ -5855,54 +5665,23 @@
               <a:rPr lang="en-US" dirty="0"/>
               <a:t>thread. </a:t>
             </a:r>
-            <a:endParaRPr lang="en-US" dirty="0" smtClean="0"/>
-          </a:p>
-          <a:p>
-            <a:r>
-              <a:rPr lang="en-US" dirty="0" smtClean="0"/>
-              <a:t>This </a:t>
-            </a:r>
+          </a:p>
+          <a:p>
             <a:r>
               <a:rPr lang="en-US" dirty="0"/>
-              <a:t>results in the mixed-up output of the three message strings. </a:t>
-            </a:r>
-            <a:endParaRPr lang="en-US" dirty="0" smtClean="0"/>
-          </a:p>
-          <a:p>
-            <a:r>
-              <a:rPr lang="en-US" dirty="0" smtClean="0"/>
-              <a:t>In </a:t>
-            </a:r>
+              <a:t>This results in the mixed-up output of the three message strings. </a:t>
+            </a:r>
+          </a:p>
+          <a:p>
             <a:r>
               <a:rPr lang="en-US" dirty="0"/>
-              <a:t>this </a:t>
-            </a:r>
-            <a:r>
-              <a:rPr lang="en-US" dirty="0" smtClean="0"/>
-              <a:t>program, nothing </a:t>
-            </a:r>
+              <a:t>In this program, nothing exists to stop all three threads from calling the same method, on the same object, at the same time. </a:t>
+            </a:r>
+          </a:p>
+          <a:p>
             <a:r>
               <a:rPr lang="en-US" dirty="0"/>
-              <a:t>exists to stop all three threads from calling the same method, on the same object, </a:t>
-            </a:r>
-            <a:r>
-              <a:rPr lang="en-US" dirty="0" smtClean="0"/>
-              <a:t>at the </a:t>
-            </a:r>
-            <a:r>
-              <a:rPr lang="en-US" dirty="0"/>
-              <a:t>same time. </a:t>
-            </a:r>
-            <a:endParaRPr lang="en-US" dirty="0" smtClean="0"/>
-          </a:p>
-          <a:p>
-            <a:r>
-              <a:rPr lang="en-US" dirty="0" smtClean="0"/>
-              <a:t>This </a:t>
-            </a:r>
-            <a:r>
-              <a:rPr lang="en-US" dirty="0"/>
-              <a:t>is known as a </a:t>
+              <a:t>This is known as a </a:t>
             </a:r>
             <a:r>
               <a:rPr lang="en-US" i="1" dirty="0"/>
@@ -5910,45 +5689,19 @@
             </a:r>
             <a:r>
               <a:rPr lang="en-US" dirty="0"/>
-              <a:t>because the three threads are racing </a:t>
-            </a:r>
-            <a:r>
-              <a:rPr lang="en-US" dirty="0" smtClean="0"/>
-              <a:t>each other </a:t>
-            </a:r>
+              <a:t>because the three threads are racing each other to complete the method. </a:t>
+            </a:r>
+          </a:p>
+          <a:p>
             <a:r>
               <a:rPr lang="en-US" dirty="0"/>
-              <a:t>to complete the method. </a:t>
-            </a:r>
-            <a:endParaRPr lang="en-US" dirty="0" smtClean="0"/>
-          </a:p>
-          <a:p>
-            <a:r>
-              <a:rPr lang="en-US" dirty="0" smtClean="0"/>
-              <a:t>We </a:t>
-            </a:r>
+              <a:t>We can’t be sure when the context switch will occur. </a:t>
+            </a:r>
+          </a:p>
+          <a:p>
             <a:r>
               <a:rPr lang="en-US" dirty="0"/>
-              <a:t>can’t be sure when the context switch will occur. </a:t>
-            </a:r>
-            <a:endParaRPr lang="en-US" dirty="0" smtClean="0"/>
-          </a:p>
-          <a:p>
-            <a:r>
-              <a:rPr lang="en-US" dirty="0" smtClean="0"/>
-              <a:t>This </a:t>
-            </a:r>
-            <a:r>
-              <a:rPr lang="en-US" dirty="0"/>
-              <a:t>can cause a program to run </a:t>
-            </a:r>
-            <a:r>
-              <a:rPr lang="en-US" dirty="0" smtClean="0"/>
-              <a:t>right one </a:t>
-            </a:r>
-            <a:r>
-              <a:rPr lang="en-US" dirty="0"/>
-              <a:t>time and wrong the next.</a:t>
+              <a:t>This can cause a program to run right one time and wrong the next.</a:t>
             </a:r>
             <a:endParaRPr lang="en-IN" dirty="0"/>
           </a:p>
@@ -6000,10 +5753,9 @@
           <a:lstStyle/>
           <a:p>
             <a:r>
-              <a:rPr lang="en-IN" dirty="0" smtClean="0"/>
+              <a:rPr lang="en-IN" dirty="0"/>
               <a:t>Synchronized methods</a:t>
             </a:r>
-            <a:endParaRPr lang="en-IN" dirty="0"/>
           </a:p>
         </p:txBody>
       </p:sp>
@@ -6025,89 +5777,64 @@
           <a:lstStyle/>
           <a:p>
             <a:r>
-              <a:rPr lang="en-IN" i="1" dirty="0" smtClean="0"/>
+              <a:rPr lang="en-IN" i="1" dirty="0"/>
               <a:t>To serialize the </a:t>
             </a:r>
             <a:r>
-              <a:rPr lang="en-IN" dirty="0" smtClean="0"/>
-              <a:t>access </a:t>
-            </a:r>
-            <a:r>
-              <a:rPr lang="en-IN" dirty="0"/>
-              <a:t>to </a:t>
+              <a:rPr lang="en-IN" dirty="0"/>
+              <a:t>access to </a:t>
             </a:r>
             <a:r>
               <a:rPr lang="en-IN" b="1" dirty="0"/>
-              <a:t>call( </a:t>
-            </a:r>
-            <a:r>
-              <a:rPr lang="en-IN" b="1" dirty="0" smtClean="0"/>
-              <a:t>)</a:t>
-            </a:r>
-            <a:r>
-              <a:rPr lang="en-IN" dirty="0"/>
-              <a:t> </a:t>
-            </a:r>
-            <a:r>
-              <a:rPr lang="en-IN" dirty="0" smtClean="0"/>
-              <a:t>is by adding synchronized </a:t>
-            </a:r>
-            <a:r>
-              <a:rPr lang="en-IN" dirty="0" smtClean="0"/>
-              <a:t>keyword</a:t>
-            </a:r>
-            <a:endParaRPr lang="en-IN" dirty="0" smtClean="0"/>
-          </a:p>
-          <a:p>
-            <a:pPr marL="0" indent="0">
-              <a:buNone/>
-            </a:pPr>
-            <a:endParaRPr lang="en-IN" i="1" dirty="0" smtClean="0"/>
-          </a:p>
-          <a:p>
-            <a:pPr marL="0" indent="0">
-              <a:buNone/>
-            </a:pPr>
-            <a:r>
-              <a:rPr lang="en-IN" i="1" dirty="0" smtClean="0"/>
-              <a:t>public </a:t>
-            </a:r>
+              <a:t>call( )</a:t>
+            </a:r>
+            <a:r>
+              <a:rPr lang="en-IN" dirty="0"/>
+              <a:t> is by adding synchronized keyword</a:t>
+            </a:r>
+          </a:p>
+          <a:p>
+            <a:pPr marL="0" indent="0">
+              <a:buNone/>
+            </a:pPr>
+            <a:endParaRPr lang="en-IN" i="1" dirty="0"/>
+          </a:p>
+          <a:p>
+            <a:pPr marL="0" indent="0">
+              <a:buNone/>
+            </a:pPr>
             <a:r>
               <a:rPr lang="en-IN" i="1" dirty="0"/>
-              <a:t>void run() {</a:t>
-            </a:r>
-          </a:p>
-          <a:p>
-            <a:pPr marL="0" indent="0">
-              <a:buNone/>
-            </a:pPr>
-            <a:r>
-              <a:rPr lang="en-IN" i="1" dirty="0" smtClean="0"/>
-              <a:t>	synchronized(target</a:t>
-            </a:r>
+              <a:t>public void run() {</a:t>
+            </a:r>
+          </a:p>
+          <a:p>
+            <a:pPr marL="0" indent="0">
+              <a:buNone/>
+            </a:pPr>
             <a:r>
               <a:rPr lang="en-IN" i="1" dirty="0"/>
-              <a:t>) { // synchronized block</a:t>
-            </a:r>
-          </a:p>
-          <a:p>
-            <a:pPr marL="0" indent="0">
-              <a:buNone/>
-            </a:pPr>
-            <a:r>
-              <a:rPr lang="en-IN" i="1" dirty="0" smtClean="0"/>
+              <a:t>	synchronized(target) { // synchronized block</a:t>
+            </a:r>
+          </a:p>
+          <a:p>
+            <a:pPr marL="0" indent="0">
+              <a:buNone/>
+            </a:pPr>
+            <a:r>
+              <a:rPr lang="en-IN" i="1" dirty="0"/>
               <a:t>		</a:t>
             </a:r>
             <a:r>
-              <a:rPr lang="en-IN" i="1" dirty="0" err="1" smtClean="0"/>
+              <a:rPr lang="en-IN" i="1" dirty="0" err="1"/>
               <a:t>target.call</a:t>
             </a:r>
             <a:r>
-              <a:rPr lang="en-IN" i="1" dirty="0" smtClean="0"/>
+              <a:rPr lang="en-IN" i="1" dirty="0"/>
               <a:t>(</a:t>
             </a:r>
             <a:r>
-              <a:rPr lang="en-IN" i="1" dirty="0" err="1" smtClean="0"/>
+              <a:rPr lang="en-IN" i="1" dirty="0" err="1"/>
               <a:t>msg</a:t>
             </a:r>
             <a:r>
@@ -6120,10 +5847,9 @@
               <a:buNone/>
             </a:pPr>
             <a:r>
-              <a:rPr lang="en-IN" i="1" dirty="0" smtClean="0"/>
+              <a:rPr lang="en-IN" i="1" dirty="0"/>
               <a:t>	}</a:t>
             </a:r>
-            <a:endParaRPr lang="en-IN" i="1" dirty="0"/>
           </a:p>
           <a:p>
             <a:pPr marL="0" indent="0">
@@ -6189,10 +5915,9 @@
           <a:lstStyle/>
           <a:p>
             <a:r>
-              <a:rPr lang="en-IN" dirty="0" smtClean="0"/>
+              <a:rPr lang="en-IN" dirty="0"/>
               <a:t>Program with Synch</a:t>
             </a:r>
-            <a:endParaRPr lang="en-IN" dirty="0"/>
           </a:p>
         </p:txBody>
       </p:sp>
@@ -6234,12 +5959,8 @@
               <a:buNone/>
             </a:pPr>
             <a:r>
-              <a:rPr lang="en-IN" dirty="0" smtClean="0"/>
-              <a:t>	void </a:t>
-            </a:r>
-            <a:r>
-              <a:rPr lang="en-IN" dirty="0"/>
-              <a:t>call(String </a:t>
+              <a:rPr lang="en-IN" dirty="0"/>
+              <a:t>	void call(String </a:t>
             </a:r>
             <a:r>
               <a:rPr lang="en-IN" dirty="0" err="1"/>
@@ -6255,11 +5976,11 @@
               <a:buNone/>
             </a:pPr>
             <a:r>
-              <a:rPr lang="en-IN" dirty="0" smtClean="0"/>
+              <a:rPr lang="en-IN" dirty="0"/>
               <a:t>		</a:t>
             </a:r>
             <a:r>
-              <a:rPr lang="en-IN" dirty="0" err="1" smtClean="0"/>
+              <a:rPr lang="en-IN" dirty="0" err="1"/>
               <a:t>System.out.print</a:t>
             </a:r>
             <a:r>
@@ -6280,46 +6001,34 @@
               <a:buNone/>
             </a:pPr>
             <a:r>
-              <a:rPr lang="en-IN" dirty="0" smtClean="0"/>
-              <a:t>		try </a:t>
-            </a:r>
-            <a:r>
-              <a:rPr lang="en-IN" dirty="0"/>
-              <a:t>{</a:t>
-            </a:r>
-          </a:p>
-          <a:p>
-            <a:pPr marL="0" indent="0">
-              <a:buNone/>
-            </a:pPr>
-            <a:r>
-              <a:rPr lang="en-IN" dirty="0" smtClean="0"/>
+              <a:rPr lang="en-IN" dirty="0"/>
+              <a:t>		try {</a:t>
+            </a:r>
+          </a:p>
+          <a:p>
+            <a:pPr marL="0" indent="0">
+              <a:buNone/>
+            </a:pPr>
+            <a:r>
+              <a:rPr lang="en-IN" dirty="0"/>
               <a:t>			</a:t>
             </a:r>
             <a:r>
-              <a:rPr lang="en-IN" dirty="0" err="1" smtClean="0"/>
+              <a:rPr lang="en-IN" dirty="0" err="1"/>
               <a:t>Thread.sleep</a:t>
             </a:r>
             <a:r>
-              <a:rPr lang="en-IN" dirty="0" smtClean="0"/>
-              <a:t>(1000</a:t>
-            </a:r>
-            <a:r>
-              <a:rPr lang="en-IN" dirty="0"/>
-              <a:t>);</a:t>
-            </a:r>
-          </a:p>
-          <a:p>
-            <a:pPr marL="0" indent="0">
-              <a:buNone/>
-            </a:pPr>
-            <a:r>
-              <a:rPr lang="en-IN" dirty="0" smtClean="0"/>
-              <a:t>		} </a:t>
-            </a:r>
-            <a:r>
-              <a:rPr lang="en-IN" dirty="0"/>
-              <a:t>catch (</a:t>
+              <a:rPr lang="en-IN" dirty="0"/>
+              <a:t>(1000);</a:t>
+            </a:r>
+          </a:p>
+          <a:p>
+            <a:pPr marL="0" indent="0">
+              <a:buNone/>
+            </a:pPr>
+            <a:r>
+              <a:rPr lang="en-IN" dirty="0"/>
+              <a:t>		} catch (</a:t>
             </a:r>
             <a:r>
               <a:rPr lang="en-IN" dirty="0" err="1"/>
@@ -6335,11 +6044,11 @@
               <a:buNone/>
             </a:pPr>
             <a:r>
-              <a:rPr lang="en-IN" dirty="0" smtClean="0"/>
+              <a:rPr lang="en-IN" dirty="0"/>
               <a:t>			</a:t>
             </a:r>
             <a:r>
-              <a:rPr lang="en-IN" dirty="0" err="1" smtClean="0"/>
+              <a:rPr lang="en-IN" dirty="0" err="1"/>
               <a:t>System.out.println</a:t>
             </a:r>
             <a:r>
@@ -6352,21 +6061,20 @@
               <a:buNone/>
             </a:pPr>
             <a:r>
-              <a:rPr lang="en-IN" dirty="0" smtClean="0"/>
+              <a:rPr lang="en-IN" dirty="0"/>
               <a:t>		}</a:t>
             </a:r>
-            <a:endParaRPr lang="en-IN" dirty="0"/>
-          </a:p>
-          <a:p>
-            <a:pPr marL="0" indent="0">
-              <a:buNone/>
-            </a:pPr>
-            <a:r>
-              <a:rPr lang="en-IN" dirty="0" smtClean="0"/>
+          </a:p>
+          <a:p>
+            <a:pPr marL="0" indent="0">
+              <a:buNone/>
+            </a:pPr>
+            <a:r>
+              <a:rPr lang="en-IN" dirty="0"/>
               <a:t>		</a:t>
             </a:r>
             <a:r>
-              <a:rPr lang="en-IN" dirty="0" err="1" smtClean="0"/>
+              <a:rPr lang="en-IN" dirty="0" err="1"/>
               <a:t>System.out.println</a:t>
             </a:r>
             <a:r>
@@ -6379,10 +6087,9 @@
               <a:buNone/>
             </a:pPr>
             <a:r>
-              <a:rPr lang="en-IN" dirty="0" smtClean="0"/>
+              <a:rPr lang="en-IN" dirty="0"/>
               <a:t>	}</a:t>
             </a:r>
-            <a:endParaRPr lang="en-IN" dirty="0"/>
           </a:p>
           <a:p>
             <a:pPr marL="0" indent="0">
